--- a/EEJ1_final_presentation_version_8.0.pptx
+++ b/EEJ1_final_presentation_version_8.0.pptx
@@ -23,8 +23,8 @@
     <p:sldId id="395" r:id="rId14"/>
     <p:sldId id="377" r:id="rId15"/>
     <p:sldId id="385" r:id="rId16"/>
-    <p:sldId id="419" r:id="rId17"/>
-    <p:sldId id="420" r:id="rId18"/>
+    <p:sldId id="423" r:id="rId17"/>
+    <p:sldId id="419" r:id="rId18"/>
     <p:sldId id="373" r:id="rId19"/>
     <p:sldId id="378" r:id="rId20"/>
     <p:sldId id="415" r:id="rId21"/>
@@ -213,1277 +213,6 @@
     </p:extLst>
   </p:cmAuthor>
 </p:cmAuthorLst>
-</file>
-
-<file path=ppt/charts/chart1.xml><?xml version="1.0" encoding="utf-8"?>
-<c:chartSpace xmlns:c="http://schemas.openxmlformats.org/drawingml/2006/chart" xmlns:a="http://schemas.openxmlformats.org/drawingml/2006/main" xmlns:r="http://schemas.openxmlformats.org/officeDocument/2006/relationships">
-  <c:date1904 val="0"/>
-  <c:lang val="en-US"/>
-  <c:roundedCorners val="1"/>
-  <mc:AlternateContent xmlns:mc="http://schemas.openxmlformats.org/markup-compatibility/2006">
-    <mc:Choice xmlns:c14="http://schemas.microsoft.com/office/drawing/2007/8/2/chart" Requires="c14">
-      <c14:style val="102"/>
-    </mc:Choice>
-    <mc:Fallback>
-      <c:style val="2"/>
-    </mc:Fallback>
-  </mc:AlternateContent>
-  <c:chart>
-    <c:title>
-      <c:tx>
-        <c:rich>
-          <a:bodyPr rot="0" spcFirstLastPara="1" vertOverflow="ellipsis" vert="horz" wrap="square" anchor="ctr" anchorCtr="1"/>
-          <a:lstStyle/>
-          <a:p>
-            <a:pPr>
-              <a:defRPr sz="2128" b="1" i="0" u="none" strike="noStrike" kern="1200" baseline="0">
-                <a:solidFill>
-                  <a:schemeClr val="tx1">
-                    <a:lumMod val="65000"/>
-                    <a:lumOff val="35000"/>
-                  </a:schemeClr>
-                </a:solidFill>
-                <a:latin typeface="Candara" panose="020E0502030303020204" pitchFamily="34" charset="0"/>
-                <a:ea typeface="+mn-ea"/>
-                <a:cs typeface="+mn-cs"/>
-              </a:defRPr>
-            </a:pPr>
-            <a:r>
-              <a:rPr lang="en-US">
-                <a:latin typeface="Candara" panose="020E0502030303020204" pitchFamily="34" charset="0"/>
-              </a:rPr>
-              <a:t>Test Case Execution</a:t>
-            </a:r>
-          </a:p>
-        </c:rich>
-      </c:tx>
-      <c:layout>
-        <c:manualLayout>
-          <c:xMode val="edge"/>
-          <c:yMode val="edge"/>
-          <c:x val="0.31321610513650128"/>
-          <c:y val="3.7534526934133235E-2"/>
-        </c:manualLayout>
-      </c:layout>
-      <c:overlay val="0"/>
-      <c:spPr>
-        <a:noFill/>
-        <a:ln>
-          <a:noFill/>
-        </a:ln>
-        <a:effectLst/>
-      </c:spPr>
-      <c:txPr>
-        <a:bodyPr rot="0" spcFirstLastPara="1" vertOverflow="ellipsis" vert="horz" wrap="square" anchor="ctr" anchorCtr="1"/>
-        <a:lstStyle/>
-        <a:p>
-          <a:pPr>
-            <a:defRPr sz="2128" b="1" i="0" u="none" strike="noStrike" kern="1200" baseline="0">
-              <a:solidFill>
-                <a:schemeClr val="tx1">
-                  <a:lumMod val="65000"/>
-                  <a:lumOff val="35000"/>
-                </a:schemeClr>
-              </a:solidFill>
-              <a:latin typeface="Candara" panose="020E0502030303020204" pitchFamily="34" charset="0"/>
-              <a:ea typeface="+mn-ea"/>
-              <a:cs typeface="+mn-cs"/>
-            </a:defRPr>
-          </a:pPr>
-          <a:endParaRPr lang="en-US"/>
-        </a:p>
-      </c:txPr>
-    </c:title>
-    <c:autoTitleDeleted val="0"/>
-    <c:plotArea>
-      <c:layout>
-        <c:manualLayout>
-          <c:layoutTarget val="inner"/>
-          <c:xMode val="edge"/>
-          <c:yMode val="edge"/>
-          <c:x val="0.12992142634697237"/>
-          <c:y val="0.15662669030813525"/>
-          <c:w val="0.79510309622811037"/>
-          <c:h val="0.63373568540060898"/>
-        </c:manualLayout>
-      </c:layout>
-      <c:barChart>
-        <c:barDir val="col"/>
-        <c:grouping val="stacked"/>
-        <c:varyColors val="0"/>
-        <c:ser>
-          <c:idx val="0"/>
-          <c:order val="0"/>
-          <c:tx>
-            <c:strRef>
-              <c:f>ExecutionSummery!$B$48</c:f>
-              <c:strCache>
-                <c:ptCount val="1"/>
-                <c:pt idx="0">
-                  <c:v>Pass</c:v>
-                </c:pt>
-              </c:strCache>
-            </c:strRef>
-          </c:tx>
-          <c:spPr>
-            <a:solidFill>
-              <a:srgbClr val="2C7933"/>
-            </a:solidFill>
-            <a:ln>
-              <a:noFill/>
-            </a:ln>
-            <a:effectLst>
-              <a:outerShdw blurRad="40000" dist="23000" dir="5400000" rotWithShape="0">
-                <a:srgbClr val="000000">
-                  <a:alpha val="35000"/>
-                </a:srgbClr>
-              </a:outerShdw>
-            </a:effectLst>
-            <a:scene3d>
-              <a:camera prst="orthographicFront">
-                <a:rot lat="0" lon="0" rev="0"/>
-              </a:camera>
-              <a:lightRig rig="threePt" dir="t">
-                <a:rot lat="0" lon="0" rev="1200000"/>
-              </a:lightRig>
-            </a:scene3d>
-            <a:sp3d>
-              <a:bevelT w="63500" h="25400"/>
-            </a:sp3d>
-          </c:spPr>
-          <c:invertIfNegative val="0"/>
-          <c:cat>
-            <c:strRef>
-              <c:f>ExecutionSummery!$A$49:$A$55</c:f>
-              <c:strCache>
-                <c:ptCount val="6"/>
-                <c:pt idx="0">
-                  <c:v>Sprint 01</c:v>
-                </c:pt>
-                <c:pt idx="1">
-                  <c:v>Sprint 02</c:v>
-                </c:pt>
-                <c:pt idx="2">
-                  <c:v>Sprint 03</c:v>
-                </c:pt>
-                <c:pt idx="3">
-                  <c:v>Sprint 04</c:v>
-                </c:pt>
-                <c:pt idx="4">
-                  <c:v>Sprint 05</c:v>
-                </c:pt>
-                <c:pt idx="5">
-                  <c:v>Sprint 06</c:v>
-                </c:pt>
-              </c:strCache>
-            </c:strRef>
-          </c:cat>
-          <c:val>
-            <c:numRef>
-              <c:f>ExecutionSummery!$B$49:$B$54</c:f>
-              <c:numCache>
-                <c:formatCode>General</c:formatCode>
-                <c:ptCount val="6"/>
-                <c:pt idx="0">
-                  <c:v>0</c:v>
-                </c:pt>
-                <c:pt idx="1">
-                  <c:v>0</c:v>
-                </c:pt>
-                <c:pt idx="2">
-                  <c:v>40</c:v>
-                </c:pt>
-                <c:pt idx="3">
-                  <c:v>53</c:v>
-                </c:pt>
-                <c:pt idx="4">
-                  <c:v>77</c:v>
-                </c:pt>
-                <c:pt idx="5">
-                  <c:v>154</c:v>
-                </c:pt>
-              </c:numCache>
-            </c:numRef>
-          </c:val>
-        </c:ser>
-        <c:ser>
-          <c:idx val="2"/>
-          <c:order val="1"/>
-          <c:tx>
-            <c:strRef>
-              <c:f>ExecutionSummery!$C$48</c:f>
-              <c:strCache>
-                <c:ptCount val="1"/>
-                <c:pt idx="0">
-                  <c:v>Not Run</c:v>
-                </c:pt>
-              </c:strCache>
-            </c:strRef>
-          </c:tx>
-          <c:spPr>
-            <a:solidFill>
-              <a:srgbClr val="FFC000"/>
-            </a:solidFill>
-            <a:ln>
-              <a:noFill/>
-            </a:ln>
-            <a:effectLst>
-              <a:outerShdw blurRad="40000" dist="23000" dir="5400000" rotWithShape="0">
-                <a:srgbClr val="000000">
-                  <a:alpha val="35000"/>
-                </a:srgbClr>
-              </a:outerShdw>
-            </a:effectLst>
-            <a:scene3d>
-              <a:camera prst="orthographicFront">
-                <a:rot lat="0" lon="0" rev="0"/>
-              </a:camera>
-              <a:lightRig rig="threePt" dir="t">
-                <a:rot lat="0" lon="0" rev="1200000"/>
-              </a:lightRig>
-            </a:scene3d>
-            <a:sp3d>
-              <a:bevelT w="63500" h="25400"/>
-            </a:sp3d>
-          </c:spPr>
-          <c:invertIfNegative val="0"/>
-          <c:cat>
-            <c:strRef>
-              <c:f>ExecutionSummery!$A$49:$A$55</c:f>
-              <c:strCache>
-                <c:ptCount val="6"/>
-                <c:pt idx="0">
-                  <c:v>Sprint 01</c:v>
-                </c:pt>
-                <c:pt idx="1">
-                  <c:v>Sprint 02</c:v>
-                </c:pt>
-                <c:pt idx="2">
-                  <c:v>Sprint 03</c:v>
-                </c:pt>
-                <c:pt idx="3">
-                  <c:v>Sprint 04</c:v>
-                </c:pt>
-                <c:pt idx="4">
-                  <c:v>Sprint 05</c:v>
-                </c:pt>
-                <c:pt idx="5">
-                  <c:v>Sprint 06</c:v>
-                </c:pt>
-              </c:strCache>
-            </c:strRef>
-          </c:cat>
-          <c:val>
-            <c:numRef>
-              <c:f>ExecutionSummery!$C$49:$C$55</c:f>
-              <c:numCache>
-                <c:formatCode>General</c:formatCode>
-                <c:ptCount val="7"/>
-                <c:pt idx="0">
-                  <c:v>160</c:v>
-                </c:pt>
-                <c:pt idx="1">
-                  <c:v>160</c:v>
-                </c:pt>
-                <c:pt idx="2">
-                  <c:v>120</c:v>
-                </c:pt>
-                <c:pt idx="3">
-                  <c:v>107</c:v>
-                </c:pt>
-                <c:pt idx="4">
-                  <c:v>83</c:v>
-                </c:pt>
-                <c:pt idx="5">
-                  <c:v>0</c:v>
-                </c:pt>
-              </c:numCache>
-            </c:numRef>
-          </c:val>
-        </c:ser>
-        <c:ser>
-          <c:idx val="1"/>
-          <c:order val="2"/>
-          <c:tx>
-            <c:strRef>
-              <c:f>ExecutionSummery!$D$48</c:f>
-              <c:strCache>
-                <c:ptCount val="1"/>
-                <c:pt idx="0">
-                  <c:v>Fail</c:v>
-                </c:pt>
-              </c:strCache>
-            </c:strRef>
-          </c:tx>
-          <c:spPr>
-            <a:solidFill>
-              <a:srgbClr val="FF0000"/>
-            </a:solidFill>
-            <a:ln>
-              <a:noFill/>
-            </a:ln>
-            <a:effectLst>
-              <a:outerShdw blurRad="40000" dist="23000" dir="5400000" rotWithShape="0">
-                <a:srgbClr val="000000">
-                  <a:alpha val="35000"/>
-                </a:srgbClr>
-              </a:outerShdw>
-            </a:effectLst>
-            <a:scene3d>
-              <a:camera prst="orthographicFront">
-                <a:rot lat="0" lon="0" rev="0"/>
-              </a:camera>
-              <a:lightRig rig="threePt" dir="t">
-                <a:rot lat="0" lon="0" rev="1200000"/>
-              </a:lightRig>
-            </a:scene3d>
-            <a:sp3d>
-              <a:bevelT w="63500" h="25400"/>
-            </a:sp3d>
-          </c:spPr>
-          <c:invertIfNegative val="0"/>
-          <c:cat>
-            <c:strRef>
-              <c:f>ExecutionSummery!$A$49:$A$55</c:f>
-              <c:strCache>
-                <c:ptCount val="6"/>
-                <c:pt idx="0">
-                  <c:v>Sprint 01</c:v>
-                </c:pt>
-                <c:pt idx="1">
-                  <c:v>Sprint 02</c:v>
-                </c:pt>
-                <c:pt idx="2">
-                  <c:v>Sprint 03</c:v>
-                </c:pt>
-                <c:pt idx="3">
-                  <c:v>Sprint 04</c:v>
-                </c:pt>
-                <c:pt idx="4">
-                  <c:v>Sprint 05</c:v>
-                </c:pt>
-                <c:pt idx="5">
-                  <c:v>Sprint 06</c:v>
-                </c:pt>
-              </c:strCache>
-            </c:strRef>
-          </c:cat>
-          <c:val>
-            <c:numRef>
-              <c:f>ExecutionSummery!$D$49:$D$55</c:f>
-              <c:numCache>
-                <c:formatCode>General</c:formatCode>
-                <c:ptCount val="7"/>
-                <c:pt idx="0">
-                  <c:v>0</c:v>
-                </c:pt>
-                <c:pt idx="1">
-                  <c:v>0</c:v>
-                </c:pt>
-                <c:pt idx="2">
-                  <c:v>0</c:v>
-                </c:pt>
-                <c:pt idx="3">
-                  <c:v>0</c:v>
-                </c:pt>
-                <c:pt idx="4">
-                  <c:v>0</c:v>
-                </c:pt>
-                <c:pt idx="5">
-                  <c:v>6</c:v>
-                </c:pt>
-              </c:numCache>
-            </c:numRef>
-          </c:val>
-        </c:ser>
-        <c:ser>
-          <c:idx val="3"/>
-          <c:order val="3"/>
-          <c:tx>
-            <c:strRef>
-              <c:f>ExecutionSummery!$E$48</c:f>
-              <c:strCache>
-                <c:ptCount val="1"/>
-                <c:pt idx="0">
-                  <c:v>Blocked</c:v>
-                </c:pt>
-              </c:strCache>
-            </c:strRef>
-          </c:tx>
-          <c:spPr>
-            <a:solidFill>
-              <a:srgbClr val="0070C0"/>
-            </a:solidFill>
-            <a:ln>
-              <a:noFill/>
-            </a:ln>
-            <a:effectLst>
-              <a:outerShdw blurRad="40000" dist="23000" dir="5400000" rotWithShape="0">
-                <a:srgbClr val="000000">
-                  <a:alpha val="35000"/>
-                </a:srgbClr>
-              </a:outerShdw>
-            </a:effectLst>
-            <a:scene3d>
-              <a:camera prst="orthographicFront">
-                <a:rot lat="0" lon="0" rev="0"/>
-              </a:camera>
-              <a:lightRig rig="threePt" dir="t">
-                <a:rot lat="0" lon="0" rev="1200000"/>
-              </a:lightRig>
-            </a:scene3d>
-            <a:sp3d>
-              <a:bevelT w="63500" h="25400"/>
-            </a:sp3d>
-          </c:spPr>
-          <c:invertIfNegative val="0"/>
-          <c:cat>
-            <c:strRef>
-              <c:f>ExecutionSummery!$A$49:$A$55</c:f>
-              <c:strCache>
-                <c:ptCount val="6"/>
-                <c:pt idx="0">
-                  <c:v>Sprint 01</c:v>
-                </c:pt>
-                <c:pt idx="1">
-                  <c:v>Sprint 02</c:v>
-                </c:pt>
-                <c:pt idx="2">
-                  <c:v>Sprint 03</c:v>
-                </c:pt>
-                <c:pt idx="3">
-                  <c:v>Sprint 04</c:v>
-                </c:pt>
-                <c:pt idx="4">
-                  <c:v>Sprint 05</c:v>
-                </c:pt>
-                <c:pt idx="5">
-                  <c:v>Sprint 06</c:v>
-                </c:pt>
-              </c:strCache>
-            </c:strRef>
-          </c:cat>
-          <c:val>
-            <c:numRef>
-              <c:f>ExecutionSummery!$E$49:$E$55</c:f>
-              <c:numCache>
-                <c:formatCode>General</c:formatCode>
-                <c:ptCount val="7"/>
-                <c:pt idx="0">
-                  <c:v>0</c:v>
-                </c:pt>
-                <c:pt idx="1">
-                  <c:v>0</c:v>
-                </c:pt>
-                <c:pt idx="2">
-                  <c:v>0</c:v>
-                </c:pt>
-                <c:pt idx="3">
-                  <c:v>0</c:v>
-                </c:pt>
-                <c:pt idx="4">
-                  <c:v>0</c:v>
-                </c:pt>
-                <c:pt idx="5">
-                  <c:v>0</c:v>
-                </c:pt>
-              </c:numCache>
-            </c:numRef>
-          </c:val>
-        </c:ser>
-        <c:dLbls>
-          <c:showLegendKey val="0"/>
-          <c:showVal val="0"/>
-          <c:showCatName val="0"/>
-          <c:showSerName val="0"/>
-          <c:showPercent val="0"/>
-          <c:showBubbleSize val="0"/>
-        </c:dLbls>
-        <c:gapWidth val="150"/>
-        <c:overlap val="100"/>
-        <c:axId val="315978776"/>
-        <c:axId val="315977600"/>
-      </c:barChart>
-      <c:dateAx>
-        <c:axId val="315978776"/>
-        <c:scaling>
-          <c:orientation val="minMax"/>
-        </c:scaling>
-        <c:delete val="0"/>
-        <c:axPos val="b"/>
-        <c:numFmt formatCode="mm/dd/yyyy" sourceLinked="0"/>
-        <c:majorTickMark val="none"/>
-        <c:minorTickMark val="none"/>
-        <c:tickLblPos val="nextTo"/>
-        <c:spPr>
-          <a:noFill/>
-          <a:ln w="12700" cap="flat" cmpd="sng" algn="ctr">
-            <a:solidFill>
-              <a:schemeClr val="tx1">
-                <a:lumMod val="15000"/>
-                <a:lumOff val="85000"/>
-              </a:schemeClr>
-            </a:solidFill>
-            <a:round/>
-          </a:ln>
-          <a:effectLst/>
-        </c:spPr>
-        <c:txPr>
-          <a:bodyPr rot="-2700000" spcFirstLastPara="1" vertOverflow="ellipsis" wrap="square" anchor="ctr" anchorCtr="1"/>
-          <a:lstStyle/>
-          <a:p>
-            <a:pPr>
-              <a:defRPr sz="1197" b="0" i="0" u="none" strike="noStrike" kern="1200" baseline="0">
-                <a:solidFill>
-                  <a:schemeClr val="tx1">
-                    <a:lumMod val="65000"/>
-                    <a:lumOff val="35000"/>
-                  </a:schemeClr>
-                </a:solidFill>
-                <a:latin typeface="+mn-lt"/>
-                <a:ea typeface="+mn-ea"/>
-                <a:cs typeface="+mn-cs"/>
-              </a:defRPr>
-            </a:pPr>
-            <a:endParaRPr lang="en-US"/>
-          </a:p>
-        </c:txPr>
-        <c:crossAx val="315977600"/>
-        <c:crosses val="autoZero"/>
-        <c:auto val="1"/>
-        <c:lblOffset val="50"/>
-        <c:baseTimeUnit val="days"/>
-        <c:majorTimeUnit val="days"/>
-        <c:minorTimeUnit val="days"/>
-      </c:dateAx>
-      <c:valAx>
-        <c:axId val="315977600"/>
-        <c:scaling>
-          <c:orientation val="minMax"/>
-          <c:max val="180"/>
-          <c:min val="0"/>
-        </c:scaling>
-        <c:delete val="0"/>
-        <c:axPos val="l"/>
-        <c:majorGridlines>
-          <c:spPr>
-            <a:ln w="9525" cap="flat" cmpd="sng" algn="ctr">
-              <a:solidFill>
-                <a:schemeClr val="tx1">
-                  <a:lumMod val="15000"/>
-                  <a:lumOff val="85000"/>
-                </a:schemeClr>
-              </a:solidFill>
-              <a:round/>
-            </a:ln>
-            <a:effectLst/>
-          </c:spPr>
-        </c:majorGridlines>
-        <c:title>
-          <c:tx>
-            <c:rich>
-              <a:bodyPr rot="-5400000" spcFirstLastPara="1" vertOverflow="ellipsis" vert="horz" wrap="square" anchor="ctr" anchorCtr="1"/>
-              <a:lstStyle/>
-              <a:p>
-                <a:pPr>
-                  <a:defRPr sz="1197" b="0" i="0" u="none" strike="noStrike" kern="1200" baseline="0">
-                    <a:solidFill>
-                      <a:schemeClr val="tx1">
-                        <a:lumMod val="65000"/>
-                        <a:lumOff val="35000"/>
-                      </a:schemeClr>
-                    </a:solidFill>
-                    <a:latin typeface="+mn-lt"/>
-                    <a:ea typeface="+mn-ea"/>
-                    <a:cs typeface="+mn-cs"/>
-                  </a:defRPr>
-                </a:pPr>
-                <a:r>
-                  <a:rPr lang="en-US"/>
-                  <a:t># of TC's</a:t>
-                </a:r>
-              </a:p>
-            </c:rich>
-          </c:tx>
-          <c:layout>
-            <c:manualLayout>
-              <c:xMode val="edge"/>
-              <c:yMode val="edge"/>
-              <c:x val="1.9942270995653107E-2"/>
-              <c:y val="0.40847832482478158"/>
-            </c:manualLayout>
-          </c:layout>
-          <c:overlay val="0"/>
-          <c:spPr>
-            <a:noFill/>
-            <a:ln>
-              <a:noFill/>
-            </a:ln>
-            <a:effectLst/>
-          </c:spPr>
-          <c:txPr>
-            <a:bodyPr rot="-5400000" spcFirstLastPara="1" vertOverflow="ellipsis" vert="horz" wrap="square" anchor="ctr" anchorCtr="1"/>
-            <a:lstStyle/>
-            <a:p>
-              <a:pPr>
-                <a:defRPr sz="1197" b="0" i="0" u="none" strike="noStrike" kern="1200" baseline="0">
-                  <a:solidFill>
-                    <a:schemeClr val="tx1">
-                      <a:lumMod val="65000"/>
-                      <a:lumOff val="35000"/>
-                    </a:schemeClr>
-                  </a:solidFill>
-                  <a:latin typeface="+mn-lt"/>
-                  <a:ea typeface="+mn-ea"/>
-                  <a:cs typeface="+mn-cs"/>
-                </a:defRPr>
-              </a:pPr>
-              <a:endParaRPr lang="en-US"/>
-            </a:p>
-          </c:txPr>
-        </c:title>
-        <c:numFmt formatCode="General" sourceLinked="1"/>
-        <c:majorTickMark val="none"/>
-        <c:minorTickMark val="none"/>
-        <c:tickLblPos val="nextTo"/>
-        <c:spPr>
-          <a:noFill/>
-          <a:ln>
-            <a:noFill/>
-          </a:ln>
-          <a:effectLst/>
-        </c:spPr>
-        <c:txPr>
-          <a:bodyPr rot="0" spcFirstLastPara="1" vertOverflow="ellipsis" wrap="square" anchor="ctr" anchorCtr="1"/>
-          <a:lstStyle/>
-          <a:p>
-            <a:pPr>
-              <a:defRPr sz="1197" b="0" i="0" u="none" strike="noStrike" kern="1200" baseline="0">
-                <a:solidFill>
-                  <a:schemeClr val="tx1">
-                    <a:lumMod val="65000"/>
-                    <a:lumOff val="35000"/>
-                  </a:schemeClr>
-                </a:solidFill>
-                <a:latin typeface="+mn-lt"/>
-                <a:ea typeface="+mn-ea"/>
-                <a:cs typeface="+mn-cs"/>
-              </a:defRPr>
-            </a:pPr>
-            <a:endParaRPr lang="en-US"/>
-          </a:p>
-        </c:txPr>
-        <c:crossAx val="315978776"/>
-        <c:crosses val="autoZero"/>
-        <c:crossBetween val="between"/>
-        <c:majorUnit val="20"/>
-      </c:valAx>
-      <c:spPr>
-        <a:noFill/>
-        <a:ln>
-          <a:noFill/>
-        </a:ln>
-        <a:effectLst/>
-      </c:spPr>
-    </c:plotArea>
-    <c:legend>
-      <c:legendPos val="b"/>
-      <c:overlay val="0"/>
-      <c:spPr>
-        <a:noFill/>
-        <a:ln>
-          <a:noFill/>
-        </a:ln>
-        <a:effectLst/>
-      </c:spPr>
-      <c:txPr>
-        <a:bodyPr rot="0" spcFirstLastPara="1" vertOverflow="ellipsis" vert="horz" wrap="square" anchor="ctr" anchorCtr="1"/>
-        <a:lstStyle/>
-        <a:p>
-          <a:pPr>
-            <a:defRPr sz="1800" b="0" i="0" u="none" strike="noStrike" kern="1200" baseline="0">
-              <a:solidFill>
-                <a:schemeClr val="tx1">
-                  <a:lumMod val="65000"/>
-                  <a:lumOff val="35000"/>
-                </a:schemeClr>
-              </a:solidFill>
-              <a:latin typeface="+mn-lt"/>
-              <a:ea typeface="+mn-ea"/>
-              <a:cs typeface="+mn-cs"/>
-            </a:defRPr>
-          </a:pPr>
-          <a:endParaRPr lang="en-US"/>
-        </a:p>
-      </c:txPr>
-    </c:legend>
-    <c:plotVisOnly val="1"/>
-    <c:dispBlanksAs val="gap"/>
-    <c:showDLblsOverMax val="0"/>
-  </c:chart>
-  <c:spPr>
-    <a:noFill/>
-    <a:ln>
-      <a:noFill/>
-    </a:ln>
-    <a:effectLst/>
-  </c:spPr>
-  <c:txPr>
-    <a:bodyPr/>
-    <a:lstStyle/>
-    <a:p>
-      <a:pPr>
-        <a:defRPr/>
-      </a:pPr>
-      <a:endParaRPr lang="en-US"/>
-    </a:p>
-  </c:txPr>
-  <c:externalData r:id="rId3">
-    <c:autoUpdate val="0"/>
-  </c:externalData>
-</c:chartSpace>
-</file>
-
-<file path=ppt/charts/colors1.xml><?xml version="1.0" encoding="utf-8"?>
-<cs:colorStyle xmlns:cs="http://schemas.microsoft.com/office/drawing/2012/chartStyle" xmlns:a="http://schemas.openxmlformats.org/drawingml/2006/main" meth="cycle" id="10">
-  <a:schemeClr val="accent1"/>
-  <a:schemeClr val="accent2"/>
-  <a:schemeClr val="accent3"/>
-  <a:schemeClr val="accent4"/>
-  <a:schemeClr val="accent5"/>
-  <a:schemeClr val="accent6"/>
-  <cs:variation/>
-  <cs:variation>
-    <a:lumMod val="60000"/>
-  </cs:variation>
-  <cs:variation>
-    <a:lumMod val="80000"/>
-    <a:lumOff val="20000"/>
-  </cs:variation>
-  <cs:variation>
-    <a:lumMod val="80000"/>
-  </cs:variation>
-  <cs:variation>
-    <a:lumMod val="60000"/>
-    <a:lumOff val="40000"/>
-  </cs:variation>
-  <cs:variation>
-    <a:lumMod val="50000"/>
-  </cs:variation>
-  <cs:variation>
-    <a:lumMod val="70000"/>
-    <a:lumOff val="30000"/>
-  </cs:variation>
-  <cs:variation>
-    <a:lumMod val="70000"/>
-  </cs:variation>
-  <cs:variation>
-    <a:lumMod val="50000"/>
-    <a:lumOff val="50000"/>
-  </cs:variation>
-</cs:colorStyle>
-</file>
-
-<file path=ppt/charts/style1.xml><?xml version="1.0" encoding="utf-8"?>
-<cs:chartStyle xmlns:cs="http://schemas.microsoft.com/office/drawing/2012/chartStyle" xmlns:a="http://schemas.openxmlformats.org/drawingml/2006/main" id="348">
-  <cs:axisTitle>
-    <cs:lnRef idx="0"/>
-    <cs:fillRef idx="0"/>
-    <cs:effectRef idx="0"/>
-    <cs:fontRef idx="minor">
-      <a:schemeClr val="tx1">
-        <a:lumMod val="65000"/>
-        <a:lumOff val="35000"/>
-      </a:schemeClr>
-    </cs:fontRef>
-    <cs:defRPr sz="1197" kern="1200"/>
-  </cs:axisTitle>
-  <cs:categoryAxis>
-    <cs:lnRef idx="0"/>
-    <cs:fillRef idx="0"/>
-    <cs:effectRef idx="0"/>
-    <cs:fontRef idx="minor">
-      <a:schemeClr val="tx1">
-        <a:lumMod val="65000"/>
-        <a:lumOff val="35000"/>
-      </a:schemeClr>
-    </cs:fontRef>
-    <cs:spPr>
-      <a:ln w="12700" cap="flat" cmpd="sng" algn="ctr">
-        <a:solidFill>
-          <a:schemeClr val="tx1">
-            <a:lumMod val="15000"/>
-            <a:lumOff val="85000"/>
-          </a:schemeClr>
-        </a:solidFill>
-        <a:round/>
-      </a:ln>
-    </cs:spPr>
-    <cs:defRPr sz="1197" kern="1200"/>
-  </cs:categoryAxis>
-  <cs:chartArea mods="allowNoFillOverride allowNoLineOverride">
-    <cs:lnRef idx="0"/>
-    <cs:fillRef idx="0"/>
-    <cs:effectRef idx="0"/>
-    <cs:fontRef idx="minor">
-      <a:schemeClr val="tx2"/>
-    </cs:fontRef>
-    <cs:spPr>
-      <a:solidFill>
-        <a:schemeClr val="bg1"/>
-      </a:solidFill>
-      <a:ln w="9525" cap="flat" cmpd="sng" algn="ctr">
-        <a:solidFill>
-          <a:schemeClr val="tx1">
-            <a:lumMod val="15000"/>
-            <a:lumOff val="85000"/>
-          </a:schemeClr>
-        </a:solidFill>
-        <a:round/>
-      </a:ln>
-    </cs:spPr>
-    <cs:defRPr sz="1197" kern="1200"/>
-  </cs:chartArea>
-  <cs:dataLabel>
-    <cs:lnRef idx="0"/>
-    <cs:fillRef idx="0"/>
-    <cs:effectRef idx="0"/>
-    <cs:fontRef idx="minor">
-      <a:schemeClr val="tx1">
-        <a:lumMod val="75000"/>
-        <a:lumOff val="25000"/>
-      </a:schemeClr>
-    </cs:fontRef>
-    <cs:defRPr sz="1197" kern="1200"/>
-  </cs:dataLabel>
-  <cs:dataLabelCallout>
-    <cs:lnRef idx="0"/>
-    <cs:fillRef idx="0"/>
-    <cs:effectRef idx="0"/>
-    <cs:fontRef idx="minor">
-      <a:schemeClr val="dk1">
-        <a:lumMod val="65000"/>
-        <a:lumOff val="35000"/>
-      </a:schemeClr>
-    </cs:fontRef>
-    <cs:spPr>
-      <a:solidFill>
-        <a:schemeClr val="lt1"/>
-      </a:solidFill>
-      <a:ln>
-        <a:solidFill>
-          <a:schemeClr val="dk1">
-            <a:lumMod val="25000"/>
-            <a:lumOff val="75000"/>
-          </a:schemeClr>
-        </a:solidFill>
-      </a:ln>
-    </cs:spPr>
-    <cs:defRPr sz="1197" kern="1200"/>
-    <cs:bodyPr rot="0" spcFirstLastPara="1" vertOverflow="clip" horzOverflow="clip" vert="horz" wrap="square" lIns="36576" tIns="18288" rIns="36576" bIns="18288" anchor="ctr" anchorCtr="1">
-      <a:spAutoFit/>
-    </cs:bodyPr>
-  </cs:dataLabelCallout>
-  <cs:dataPoint>
-    <cs:lnRef idx="0"/>
-    <cs:fillRef idx="3">
-      <cs:styleClr val="auto"/>
-    </cs:fillRef>
-    <cs:effectRef idx="3"/>
-    <cs:fontRef idx="minor">
-      <a:schemeClr val="tx1"/>
-    </cs:fontRef>
-  </cs:dataPoint>
-  <cs:dataPoint3D>
-    <cs:lnRef idx="0"/>
-    <cs:fillRef idx="3">
-      <cs:styleClr val="auto"/>
-    </cs:fillRef>
-    <cs:effectRef idx="3"/>
-    <cs:fontRef idx="minor">
-      <a:schemeClr val="tx1"/>
-    </cs:fontRef>
-  </cs:dataPoint3D>
-  <cs:dataPointLine>
-    <cs:lnRef idx="0">
-      <cs:styleClr val="auto"/>
-    </cs:lnRef>
-    <cs:fillRef idx="3"/>
-    <cs:effectRef idx="3"/>
-    <cs:fontRef idx="minor">
-      <a:schemeClr val="tx1"/>
-    </cs:fontRef>
-    <cs:spPr>
-      <a:ln w="34925" cap="rnd">
-        <a:solidFill>
-          <a:schemeClr val="phClr"/>
-        </a:solidFill>
-        <a:round/>
-      </a:ln>
-    </cs:spPr>
-  </cs:dataPointLine>
-  <cs:dataPointMarker>
-    <cs:lnRef idx="0">
-      <cs:styleClr val="auto"/>
-    </cs:lnRef>
-    <cs:fillRef idx="3">
-      <cs:styleClr val="auto"/>
-    </cs:fillRef>
-    <cs:effectRef idx="3"/>
-    <cs:fontRef idx="minor">
-      <a:schemeClr val="tx1"/>
-    </cs:fontRef>
-    <cs:spPr>
-      <a:ln w="9525">
-        <a:solidFill>
-          <a:schemeClr val="phClr"/>
-        </a:solidFill>
-        <a:round/>
-      </a:ln>
-    </cs:spPr>
-  </cs:dataPointMarker>
-  <cs:dataPointMarkerLayout symbol="circle" size="6"/>
-  <cs:dataPointWireframe>
-    <cs:lnRef idx="0">
-      <cs:styleClr val="auto"/>
-    </cs:lnRef>
-    <cs:fillRef idx="3"/>
-    <cs:effectRef idx="3"/>
-    <cs:fontRef idx="minor">
-      <a:schemeClr val="tx1"/>
-    </cs:fontRef>
-    <cs:spPr>
-      <a:ln w="9525" cap="rnd">
-        <a:solidFill>
-          <a:schemeClr val="phClr"/>
-        </a:solidFill>
-        <a:round/>
-      </a:ln>
-    </cs:spPr>
-  </cs:dataPointWireframe>
-  <cs:dataTable>
-    <cs:lnRef idx="0"/>
-    <cs:fillRef idx="0"/>
-    <cs:effectRef idx="0"/>
-    <cs:fontRef idx="minor">
-      <a:schemeClr val="tx1">
-        <a:lumMod val="65000"/>
-        <a:lumOff val="35000"/>
-      </a:schemeClr>
-    </cs:fontRef>
-    <cs:spPr>
-      <a:noFill/>
-      <a:ln w="9525" cap="flat" cmpd="sng" algn="ctr">
-        <a:solidFill>
-          <a:schemeClr val="tx1">
-            <a:lumMod val="15000"/>
-            <a:lumOff val="85000"/>
-          </a:schemeClr>
-        </a:solidFill>
-        <a:round/>
-      </a:ln>
-    </cs:spPr>
-    <cs:defRPr sz="1197" kern="1200"/>
-  </cs:dataTable>
-  <cs:downBar>
-    <cs:lnRef idx="0"/>
-    <cs:fillRef idx="0"/>
-    <cs:effectRef idx="0"/>
-    <cs:fontRef idx="minor">
-      <a:schemeClr val="dk1"/>
-    </cs:fontRef>
-    <cs:spPr>
-      <a:solidFill>
-        <a:schemeClr val="dk1">
-          <a:lumMod val="65000"/>
-          <a:lumOff val="35000"/>
-        </a:schemeClr>
-      </a:solidFill>
-      <a:ln w="9525">
-        <a:solidFill>
-          <a:schemeClr val="tx1">
-            <a:lumMod val="65000"/>
-            <a:lumOff val="35000"/>
-          </a:schemeClr>
-        </a:solidFill>
-      </a:ln>
-    </cs:spPr>
-  </cs:downBar>
-  <cs:dropLine>
-    <cs:lnRef idx="0"/>
-    <cs:fillRef idx="0"/>
-    <cs:effectRef idx="0"/>
-    <cs:fontRef idx="minor">
-      <a:schemeClr val="tx1"/>
-    </cs:fontRef>
-    <cs:spPr>
-      <a:ln w="9525" cap="flat" cmpd="sng" algn="ctr">
-        <a:solidFill>
-          <a:schemeClr val="tx1">
-            <a:lumMod val="35000"/>
-            <a:lumOff val="65000"/>
-          </a:schemeClr>
-        </a:solidFill>
-        <a:round/>
-      </a:ln>
-    </cs:spPr>
-  </cs:dropLine>
-  <cs:errorBar>
-    <cs:lnRef idx="0"/>
-    <cs:fillRef idx="0"/>
-    <cs:effectRef idx="0"/>
-    <cs:fontRef idx="minor">
-      <a:schemeClr val="tx1"/>
-    </cs:fontRef>
-    <cs:spPr>
-      <a:ln w="9525" cap="flat" cmpd="sng" algn="ctr">
-        <a:solidFill>
-          <a:schemeClr val="tx1">
-            <a:lumMod val="65000"/>
-            <a:lumOff val="35000"/>
-          </a:schemeClr>
-        </a:solidFill>
-        <a:round/>
-      </a:ln>
-    </cs:spPr>
-  </cs:errorBar>
-  <cs:floor>
-    <cs:lnRef idx="0"/>
-    <cs:fillRef idx="0"/>
-    <cs:effectRef idx="0"/>
-    <cs:fontRef idx="minor">
-      <a:schemeClr val="lt1"/>
-    </cs:fontRef>
-  </cs:floor>
-  <cs:gridlineMajor>
-    <cs:lnRef idx="0"/>
-    <cs:fillRef idx="0"/>
-    <cs:effectRef idx="0"/>
-    <cs:fontRef idx="minor">
-      <a:schemeClr val="tx1"/>
-    </cs:fontRef>
-    <cs:spPr>
-      <a:ln w="9525" cap="flat" cmpd="sng" algn="ctr">
-        <a:solidFill>
-          <a:schemeClr val="tx1">
-            <a:lumMod val="15000"/>
-            <a:lumOff val="85000"/>
-          </a:schemeClr>
-        </a:solidFill>
-        <a:round/>
-      </a:ln>
-    </cs:spPr>
-  </cs:gridlineMajor>
-  <cs:gridlineMinor>
-    <cs:lnRef idx="0"/>
-    <cs:fillRef idx="0"/>
-    <cs:effectRef idx="0"/>
-    <cs:fontRef idx="minor">
-      <a:schemeClr val="tx1"/>
-    </cs:fontRef>
-    <cs:spPr>
-      <a:ln w="9525" cap="flat" cmpd="sng" algn="ctr">
-        <a:solidFill>
-          <a:schemeClr val="tx1">
-            <a:lumMod val="5000"/>
-            <a:lumOff val="95000"/>
-          </a:schemeClr>
-        </a:solidFill>
-        <a:round/>
-      </a:ln>
-    </cs:spPr>
-  </cs:gridlineMinor>
-  <cs:hiLoLine>
-    <cs:lnRef idx="0"/>
-    <cs:fillRef idx="0"/>
-    <cs:effectRef idx="0"/>
-    <cs:fontRef idx="minor">
-      <a:schemeClr val="tx1"/>
-    </cs:fontRef>
-    <cs:spPr>
-      <a:ln w="9525" cap="flat" cmpd="sng" algn="ctr">
-        <a:solidFill>
-          <a:schemeClr val="tx1">
-            <a:lumMod val="75000"/>
-            <a:lumOff val="25000"/>
-          </a:schemeClr>
-        </a:solidFill>
-        <a:round/>
-      </a:ln>
-    </cs:spPr>
-  </cs:hiLoLine>
-  <cs:leaderLine>
-    <cs:lnRef idx="0"/>
-    <cs:fillRef idx="0"/>
-    <cs:effectRef idx="0"/>
-    <cs:fontRef idx="minor">
-      <a:schemeClr val="tx1"/>
-    </cs:fontRef>
-    <cs:spPr>
-      <a:ln w="9525" cap="flat" cmpd="sng" algn="ctr">
-        <a:solidFill>
-          <a:schemeClr val="tx1">
-            <a:lumMod val="35000"/>
-            <a:lumOff val="65000"/>
-          </a:schemeClr>
-        </a:solidFill>
-        <a:round/>
-      </a:ln>
-    </cs:spPr>
-  </cs:leaderLine>
-  <cs:legend>
-    <cs:lnRef idx="0"/>
-    <cs:fillRef idx="0"/>
-    <cs:effectRef idx="0"/>
-    <cs:fontRef idx="minor">
-      <a:schemeClr val="tx1">
-        <a:lumMod val="65000"/>
-        <a:lumOff val="35000"/>
-      </a:schemeClr>
-    </cs:fontRef>
-    <cs:defRPr sz="1197" kern="1200"/>
-  </cs:legend>
-  <cs:plotArea>
-    <cs:lnRef idx="0"/>
-    <cs:fillRef idx="0"/>
-    <cs:effectRef idx="0"/>
-    <cs:fontRef idx="minor">
-      <a:schemeClr val="lt1"/>
-    </cs:fontRef>
-  </cs:plotArea>
-  <cs:plotArea3D>
-    <cs:lnRef idx="0"/>
-    <cs:fillRef idx="0"/>
-    <cs:effectRef idx="0"/>
-    <cs:fontRef idx="minor">
-      <a:schemeClr val="lt1"/>
-    </cs:fontRef>
-  </cs:plotArea3D>
-  <cs:seriesAxis>
-    <cs:lnRef idx="0"/>
-    <cs:fillRef idx="0"/>
-    <cs:effectRef idx="0"/>
-    <cs:fontRef idx="minor">
-      <a:schemeClr val="tx1">
-        <a:lumMod val="65000"/>
-        <a:lumOff val="35000"/>
-      </a:schemeClr>
-    </cs:fontRef>
-    <cs:spPr>
-      <a:ln w="12700" cap="flat" cmpd="sng" algn="ctr">
-        <a:solidFill>
-          <a:schemeClr val="tx1">
-            <a:lumMod val="15000"/>
-            <a:lumOff val="85000"/>
-          </a:schemeClr>
-        </a:solidFill>
-        <a:round/>
-      </a:ln>
-    </cs:spPr>
-    <cs:defRPr sz="1197" kern="1200"/>
-  </cs:seriesAxis>
-  <cs:seriesLine>
-    <cs:lnRef idx="0"/>
-    <cs:fillRef idx="0"/>
-    <cs:effectRef idx="0"/>
-    <cs:fontRef idx="minor">
-      <a:schemeClr val="tx1"/>
-    </cs:fontRef>
-    <cs:spPr>
-      <a:ln w="9525" cap="flat" cmpd="sng" algn="ctr">
-        <a:solidFill>
-          <a:schemeClr val="tx1">
-            <a:lumMod val="35000"/>
-            <a:lumOff val="65000"/>
-          </a:schemeClr>
-        </a:solidFill>
-        <a:round/>
-      </a:ln>
-    </cs:spPr>
-  </cs:seriesLine>
-  <cs:title>
-    <cs:lnRef idx="0"/>
-    <cs:fillRef idx="0"/>
-    <cs:effectRef idx="0"/>
-    <cs:fontRef idx="minor">
-      <a:schemeClr val="tx1">
-        <a:lumMod val="65000"/>
-        <a:lumOff val="35000"/>
-      </a:schemeClr>
-    </cs:fontRef>
-    <cs:defRPr sz="2128" b="1" kern="1200" baseline="0"/>
-  </cs:title>
-  <cs:trendline>
-    <cs:lnRef idx="0">
-      <cs:styleClr val="auto"/>
-    </cs:lnRef>
-    <cs:fillRef idx="0"/>
-    <cs:effectRef idx="0"/>
-    <cs:fontRef idx="minor">
-      <a:schemeClr val="lt1"/>
-    </cs:fontRef>
-    <cs:spPr>
-      <a:ln w="19050" cap="rnd">
-        <a:solidFill>
-          <a:schemeClr val="phClr"/>
-        </a:solidFill>
-      </a:ln>
-    </cs:spPr>
-  </cs:trendline>
-  <cs:trendlineLabel>
-    <cs:lnRef idx="0"/>
-    <cs:fillRef idx="0"/>
-    <cs:effectRef idx="0"/>
-    <cs:fontRef idx="minor">
-      <a:schemeClr val="tx1">
-        <a:lumMod val="65000"/>
-        <a:lumOff val="35000"/>
-      </a:schemeClr>
-    </cs:fontRef>
-    <cs:defRPr sz="1197" kern="1200"/>
-  </cs:trendlineLabel>
-  <cs:upBar>
-    <cs:lnRef idx="0"/>
-    <cs:fillRef idx="0"/>
-    <cs:effectRef idx="0"/>
-    <cs:fontRef idx="minor">
-      <a:schemeClr val="dk1"/>
-    </cs:fontRef>
-    <cs:spPr>
-      <a:solidFill>
-        <a:schemeClr val="lt1"/>
-      </a:solidFill>
-      <a:ln w="9525">
-        <a:solidFill>
-          <a:schemeClr val="tx1">
-            <a:lumMod val="15000"/>
-            <a:lumOff val="85000"/>
-          </a:schemeClr>
-        </a:solidFill>
-      </a:ln>
-    </cs:spPr>
-  </cs:upBar>
-  <cs:valueAxis>
-    <cs:lnRef idx="0"/>
-    <cs:fillRef idx="0"/>
-    <cs:effectRef idx="0"/>
-    <cs:fontRef idx="minor">
-      <a:schemeClr val="tx1">
-        <a:lumMod val="65000"/>
-        <a:lumOff val="35000"/>
-      </a:schemeClr>
-    </cs:fontRef>
-    <cs:defRPr sz="1197" kern="1200"/>
-  </cs:valueAxis>
-  <cs:wall>
-    <cs:lnRef idx="0"/>
-    <cs:fillRef idx="0"/>
-    <cs:effectRef idx="0"/>
-    <cs:fontRef idx="minor">
-      <a:schemeClr val="lt1"/>
-    </cs:fontRef>
-  </cs:wall>
-</cs:chartStyle>
 </file>
 
 <file path=ppt/comments/comment1.xml><?xml version="1.0" encoding="utf-8"?>
@@ -6861,7 +5590,7 @@
           <a:graphicData uri="http://schemas.openxmlformats.org/presentationml/2006/ole">
             <mc:AlternateContent xmlns:mc="http://schemas.openxmlformats.org/markup-compatibility/2006">
               <mc:Choice xmlns:v="urn:schemas-microsoft-com:vml" Requires="v">
-                <p:oleObj spid="_x0000_s1148" name="Acrobat Document" showAsIcon="1" r:id="rId3" imgW="914400" imgH="771480" progId="AcroExch.Document.11">
+                <p:oleObj spid="_x0000_s1166" name="Acrobat Document" showAsIcon="1" r:id="rId3" imgW="914400" imgH="771480" progId="AcroExch.Document.11">
                   <p:embed/>
                 </p:oleObj>
               </mc:Choice>
@@ -7017,7 +5746,7 @@
           <a:graphicData uri="http://schemas.openxmlformats.org/presentationml/2006/ole">
             <mc:AlternateContent xmlns:mc="http://schemas.openxmlformats.org/markup-compatibility/2006">
               <mc:Choice xmlns:v="urn:schemas-microsoft-com:vml" Requires="v">
-                <p:oleObj spid="_x0000_s2157" name="Acrobat Document" showAsIcon="1" r:id="rId3" imgW="914400" imgH="771480" progId="AcroExch.Document.11">
+                <p:oleObj spid="_x0000_s2175" name="Acrobat Document" showAsIcon="1" r:id="rId3" imgW="914400" imgH="771480" progId="AcroExch.Document.11">
                   <p:embed/>
                 </p:oleObj>
               </mc:Choice>
@@ -7320,14 +6049,16 @@
       </p:sp>
       <p:graphicFrame>
         <p:nvGraphicFramePr>
-          <p:cNvPr id="5" name="Object 4"/>
+          <p:cNvPr id="5" name="Object 4">
+            <a:hlinkClick r:id="" action="ppaction://ole?verb=1"/>
+          </p:cNvPr>
           <p:cNvGraphicFramePr>
             <a:graphicFrameLocks noChangeAspect="1"/>
           </p:cNvGraphicFramePr>
           <p:nvPr>
             <p:extLst>
               <p:ext uri="{D42A27DB-BD31-4B8C-83A1-F6EECF244321}">
-                <p14:modId xmlns:p14="http://schemas.microsoft.com/office/powerpoint/2010/main" val="3659822038"/>
+                <p14:modId xmlns:p14="http://schemas.microsoft.com/office/powerpoint/2010/main" val="4181813919"/>
               </p:ext>
             </p:extLst>
           </p:nvPr>
@@ -7340,7 +6071,7 @@
           <a:graphicData uri="http://schemas.openxmlformats.org/presentationml/2006/ole">
             <mc:AlternateContent xmlns:mc="http://schemas.openxmlformats.org/markup-compatibility/2006">
               <mc:Choice xmlns:v="urn:schemas-microsoft-com:vml" Requires="v">
-                <p:oleObj spid="_x0000_s6198" name="Document" showAsIcon="1" r:id="rId3" imgW="914400" imgH="771480" progId="Word.Document.12">
+                <p:oleObj spid="_x0000_s6216" name="Document" showAsIcon="1" r:id="rId3" imgW="914400" imgH="771480" progId="Word.Document.12">
                   <p:embed/>
                 </p:oleObj>
               </mc:Choice>
@@ -7445,7 +6176,13 @@
               <a:rPr lang="en-US" sz="2500" dirty="0" smtClean="0">
                 <a:latin typeface="Candara" panose="020E0502030303020204" pitchFamily="34" charset="0"/>
               </a:rPr>
-              <a:t>: 160</a:t>
+              <a:t>: </a:t>
+            </a:r>
+            <a:r>
+              <a:rPr lang="en-US" sz="2500" dirty="0" smtClean="0">
+                <a:latin typeface="Candara" panose="020E0502030303020204" pitchFamily="34" charset="0"/>
+              </a:rPr>
+              <a:t>156</a:t>
             </a:r>
             <a:endParaRPr lang="en-US" sz="2500" dirty="0">
               <a:latin typeface="Candara" panose="020E0502030303020204" pitchFamily="34" charset="0"/>
@@ -7473,8 +6210,17 @@
               <a:rPr lang="en-US" sz="2500" dirty="0">
                 <a:latin typeface="Candara" panose="020E0502030303020204" pitchFamily="34" charset="0"/>
               </a:rPr>
-              <a:t>found : 10</a:t>
-            </a:r>
+              <a:t>found : </a:t>
+            </a:r>
+            <a:r>
+              <a:rPr lang="en-US" sz="2500" dirty="0" smtClean="0">
+                <a:latin typeface="Candara" panose="020E0502030303020204" pitchFamily="34" charset="0"/>
+              </a:rPr>
+              <a:t>05</a:t>
+            </a:r>
+            <a:endParaRPr lang="en-US" sz="2500" dirty="0">
+              <a:latin typeface="Candara" panose="020E0502030303020204" pitchFamily="34" charset="0"/>
+            </a:endParaRPr>
           </a:p>
           <a:p>
             <a:pPr marL="0" indent="0">
@@ -7537,27 +6283,29 @@
       </p:sp>
       <p:graphicFrame>
         <p:nvGraphicFramePr>
-          <p:cNvPr id="5" name="Object 4"/>
+          <p:cNvPr id="6" name="Object 5">
+            <a:hlinkClick r:id="" action="ppaction://ole?verb=1"/>
+          </p:cNvPr>
           <p:cNvGraphicFramePr>
             <a:graphicFrameLocks noChangeAspect="1"/>
           </p:cNvGraphicFramePr>
           <p:nvPr>
             <p:extLst>
               <p:ext uri="{D42A27DB-BD31-4B8C-83A1-F6EECF244321}">
-                <p14:modId xmlns:p14="http://schemas.microsoft.com/office/powerpoint/2010/main" val="139390427"/>
+                <p14:modId xmlns:p14="http://schemas.microsoft.com/office/powerpoint/2010/main" val="1574376738"/>
               </p:ext>
             </p:extLst>
           </p:nvPr>
         </p:nvGraphicFramePr>
         <p:xfrm>
-          <a:off x="2006600" y="4267200"/>
+          <a:off x="10998200" y="7772400"/>
           <a:ext cx="914400" cy="771525"/>
         </p:xfrm>
         <a:graphic>
           <a:graphicData uri="http://schemas.openxmlformats.org/presentationml/2006/ole">
             <mc:AlternateContent xmlns:mc="http://schemas.openxmlformats.org/markup-compatibility/2006">
               <mc:Choice xmlns:v="urn:schemas-microsoft-com:vml" Requires="v">
-                <p:oleObj spid="_x0000_s4143" name="Worksheet" showAsIcon="1" r:id="rId3" imgW="914400" imgH="771480" progId="Excel.Sheet.12">
+                <p:oleObj spid="_x0000_s4162" name="Worksheet" showAsIcon="1" r:id="rId3" imgW="914400" imgH="771480" progId="Excel.Sheet.12">
                   <p:embed/>
                 </p:oleObj>
               </mc:Choice>
@@ -7578,7 +6326,7 @@
                     </p:blipFill>
                     <p:spPr>
                       <a:xfrm>
-                        <a:off x="2006600" y="4267200"/>
+                        <a:off x="10998200" y="7772400"/>
                         <a:ext cx="914400" cy="771525"/>
                       </a:xfrm>
                       <a:prstGeom prst="rect">
@@ -7659,14 +6407,12 @@
               </a:rPr>
             </a:br>
             <a:r>
-              <a:rPr lang="en-US" sz="5400" dirty="0" smtClean="0">
+              <a:rPr lang="en-US" sz="5400" dirty="0">
                 <a:latin typeface="Candara" panose="020E0502030303020204" pitchFamily="34" charset="0"/>
               </a:rPr>
               <a:t>Summary (All Sprints) </a:t>
             </a:r>
-            <a:endParaRPr lang="en-US" sz="5400" dirty="0">
-              <a:latin typeface="Candara" panose="020E0502030303020204" pitchFamily="34" charset="0"/>
-            </a:endParaRPr>
+            <a:endParaRPr lang="en-US" sz="5400" dirty="0"/>
           </a:p>
         </p:txBody>
       </p:sp>
@@ -7694,34 +6440,36 @@
           </a:p>
         </p:txBody>
       </p:sp>
-      <p:graphicFrame>
-        <p:nvGraphicFramePr>
-          <p:cNvPr id="23" name="Chart 22"/>
-          <p:cNvGraphicFramePr>
-            <a:graphicFrameLocks/>
-          </p:cNvGraphicFramePr>
-          <p:nvPr>
-            <p:extLst>
-              <p:ext uri="{D42A27DB-BD31-4B8C-83A1-F6EECF244321}">
-                <p14:modId xmlns:p14="http://schemas.microsoft.com/office/powerpoint/2010/main" val="1362105399"/>
-              </p:ext>
-            </p:extLst>
-          </p:nvPr>
-        </p:nvGraphicFramePr>
-        <p:xfrm>
-          <a:off x="1238115" y="2514600"/>
-          <a:ext cx="10475068" cy="6400800"/>
-        </p:xfrm>
-        <a:graphic>
-          <a:graphicData uri="http://schemas.openxmlformats.org/drawingml/2006/chart">
-            <c:chart xmlns:c="http://schemas.openxmlformats.org/drawingml/2006/chart" xmlns:r="http://schemas.openxmlformats.org/officeDocument/2006/relationships" r:id="rId2"/>
-          </a:graphicData>
-        </a:graphic>
-      </p:graphicFrame>
+      <p:pic>
+        <p:nvPicPr>
+          <p:cNvPr id="7" name="Content Placeholder 6"/>
+          <p:cNvPicPr>
+            <a:picLocks noGrp="1" noChangeAspect="1"/>
+          </p:cNvPicPr>
+          <p:nvPr>
+            <p:ph idx="1"/>
+          </p:nvPr>
+        </p:nvPicPr>
+        <p:blipFill>
+          <a:blip r:embed="rId2"/>
+          <a:stretch>
+            <a:fillRect/>
+          </a:stretch>
+        </p:blipFill>
+        <p:spPr>
+          <a:xfrm>
+            <a:off x="1270000" y="2819400"/>
+            <a:ext cx="10464800" cy="5638800"/>
+          </a:xfrm>
+          <a:prstGeom prst="rect">
+            <a:avLst/>
+          </a:prstGeom>
+        </p:spPr>
+      </p:pic>
     </p:spTree>
     <p:extLst>
       <p:ext uri="{BB962C8B-B14F-4D97-AF65-F5344CB8AC3E}">
-        <p14:creationId xmlns:p14="http://schemas.microsoft.com/office/powerpoint/2010/main" val="1327455845"/>
+        <p14:creationId xmlns:p14="http://schemas.microsoft.com/office/powerpoint/2010/main" val="2356205797"/>
       </p:ext>
     </p:extLst>
   </p:cSld>
@@ -7772,22 +6520,16 @@
               </a:rPr>
               <a:t>Test Cases Execution </a:t>
             </a:r>
+            <a:br>
+              <a:rPr lang="en-US" sz="5400" dirty="0">
+                <a:latin typeface="Candara" panose="020E0502030303020204" pitchFamily="34" charset="0"/>
+              </a:rPr>
+            </a:br>
             <a:r>
               <a:rPr lang="en-US" sz="5400" dirty="0" smtClean="0">
                 <a:latin typeface="Candara" panose="020E0502030303020204" pitchFamily="34" charset="0"/>
               </a:rPr>
-              <a:t/>
-            </a:r>
-            <a:br>
-              <a:rPr lang="en-US" sz="5400" dirty="0" smtClean="0">
-                <a:latin typeface="Candara" panose="020E0502030303020204" pitchFamily="34" charset="0"/>
-              </a:rPr>
-            </a:br>
-            <a:r>
-              <a:rPr lang="en-US" sz="5400" dirty="0" smtClean="0">
-                <a:latin typeface="Candara" panose="020E0502030303020204" pitchFamily="34" charset="0"/>
-              </a:rPr>
-              <a:t>Sprint Wise Summary </a:t>
+              <a:t>Summary (All Sprints) </a:t>
             </a:r>
             <a:endParaRPr lang="en-US" sz="5400" dirty="0">
               <a:latin typeface="Candara" panose="020E0502030303020204" pitchFamily="34" charset="0"/>
@@ -7821,7 +6563,7 @@
       </p:sp>
       <p:pic>
         <p:nvPicPr>
-          <p:cNvPr id="5" name="Picture 4"/>
+          <p:cNvPr id="2" name="Picture 1"/>
           <p:cNvPicPr>
             <a:picLocks noChangeAspect="1"/>
           </p:cNvPicPr>
@@ -7835,32 +6577,8 @@
         </p:blipFill>
         <p:spPr>
           <a:xfrm>
-            <a:off x="1270000" y="2590800"/>
-            <a:ext cx="10464800" cy="2590800"/>
-          </a:xfrm>
-          <a:prstGeom prst="rect">
-            <a:avLst/>
-          </a:prstGeom>
-        </p:spPr>
-      </p:pic>
-      <p:pic>
-        <p:nvPicPr>
-          <p:cNvPr id="10" name="Picture 9"/>
-          <p:cNvPicPr>
-            <a:picLocks noChangeAspect="1"/>
-          </p:cNvPicPr>
-          <p:nvPr/>
-        </p:nvPicPr>
-        <p:blipFill>
-          <a:blip r:embed="rId3"/>
-          <a:stretch>
-            <a:fillRect/>
-          </a:stretch>
-        </p:blipFill>
-        <p:spPr>
-          <a:xfrm>
-            <a:off x="1270000" y="5791200"/>
-            <a:ext cx="10464800" cy="2667000"/>
+            <a:off x="1270000" y="2514600"/>
+            <a:ext cx="10464800" cy="6992939"/>
           </a:xfrm>
           <a:prstGeom prst="rect">
             <a:avLst/>
@@ -7870,7 +6588,7 @@
     </p:spTree>
     <p:extLst>
       <p:ext uri="{BB962C8B-B14F-4D97-AF65-F5344CB8AC3E}">
-        <p14:creationId xmlns:p14="http://schemas.microsoft.com/office/powerpoint/2010/main" val="857002228"/>
+        <p14:creationId xmlns:p14="http://schemas.microsoft.com/office/powerpoint/2010/main" val="1327455845"/>
       </p:ext>
     </p:extLst>
   </p:cSld>
@@ -8028,7 +6746,7 @@
           <a:graphicData uri="http://schemas.openxmlformats.org/presentationml/2006/ole">
             <mc:AlternateContent xmlns:mc="http://schemas.openxmlformats.org/markup-compatibility/2006">
               <mc:Choice xmlns:v="urn:schemas-microsoft-com:vml" Requires="v">
-                <p:oleObj spid="_x0000_s5174" name="Worksheet" showAsIcon="1" r:id="rId3" imgW="914400" imgH="771480" progId="Excel.Sheet.12">
+                <p:oleObj spid="_x0000_s5192" name="Worksheet" showAsIcon="1" r:id="rId3" imgW="914400" imgH="771480" progId="Excel.Sheet.12">
                   <p:embed/>
                 </p:oleObj>
               </mc:Choice>
@@ -8276,7 +6994,21 @@
                 <a:latin typeface="Candara" panose="020E0502030303020204" pitchFamily="34" charset="0"/>
                 <a:cs typeface="Times New Roman" pitchFamily="18" charset="0"/>
               </a:rPr>
-              <a:t>Shirish Bhale(Owner)</a:t>
+              <a:t>Shirish </a:t>
+            </a:r>
+            <a:r>
+              <a:rPr lang="en-US" sz="2500" dirty="0" smtClean="0">
+                <a:latin typeface="Candara" panose="020E0502030303020204" pitchFamily="34" charset="0"/>
+                <a:cs typeface="Times New Roman" pitchFamily="18" charset="0"/>
+              </a:rPr>
+              <a:t>Bhale (</a:t>
+            </a:r>
+            <a:r>
+              <a:rPr lang="en-US" sz="2500" dirty="0" smtClean="0">
+                <a:latin typeface="Candara" panose="020E0502030303020204" pitchFamily="34" charset="0"/>
+                <a:cs typeface="Times New Roman" pitchFamily="18" charset="0"/>
+              </a:rPr>
+              <a:t>Owner)</a:t>
             </a:r>
           </a:p>
           <a:p>
@@ -9846,10 +8578,39 @@
           <a:lstStyle/>
           <a:p>
             <a:r>
+              <a:rPr lang="en-US" sz="5400" dirty="0">
+                <a:latin typeface="Candara" panose="020E0502030303020204" pitchFamily="34" charset="0"/>
+              </a:rPr>
+              <a:t>User Stories </a:t>
+            </a:r>
+            <a:r>
               <a:rPr lang="en-US" sz="5400" dirty="0" smtClean="0">
                 <a:latin typeface="Candara" panose="020E0502030303020204" pitchFamily="34" charset="0"/>
               </a:rPr>
-              <a:t>Story Count</a:t>
+              <a:t>Worked</a:t>
+            </a:r>
+            <a:br>
+              <a:rPr lang="en-US" sz="5400" dirty="0" smtClean="0">
+                <a:latin typeface="Candara" panose="020E0502030303020204" pitchFamily="34" charset="0"/>
+              </a:rPr>
+            </a:br>
+            <a:r>
+              <a:rPr lang="en-US" sz="5400" dirty="0" smtClean="0">
+                <a:latin typeface="Candara" panose="020E0502030303020204" pitchFamily="34" charset="0"/>
+              </a:rPr>
+              <a:t>v/s Completed </a:t>
+            </a:r>
+            <a:r>
+              <a:rPr lang="en-US" sz="5400" dirty="0">
+                <a:latin typeface="Candara" panose="020E0502030303020204" pitchFamily="34" charset="0"/>
+              </a:rPr>
+              <a:t>Per </a:t>
+            </a:r>
+            <a:r>
+              <a:rPr lang="en-US" sz="5400" dirty="0" smtClean="0">
+                <a:latin typeface="Candara" panose="020E0502030303020204" pitchFamily="34" charset="0"/>
+              </a:rPr>
+              <a:t>Sprint</a:t>
             </a:r>
             <a:endParaRPr lang="en-US" sz="5400" dirty="0">
               <a:latin typeface="Candara" panose="020E0502030303020204" pitchFamily="34" charset="0"/>
@@ -14507,25 +13268,25 @@
           <p:nvPr>
             <p:extLst>
               <p:ext uri="{D42A27DB-BD31-4B8C-83A1-F6EECF244321}">
-                <p14:modId xmlns:p14="http://schemas.microsoft.com/office/powerpoint/2010/main" val="3161572306"/>
+                <p14:modId xmlns:p14="http://schemas.microsoft.com/office/powerpoint/2010/main" val="952990619"/>
               </p:ext>
             </p:extLst>
           </p:nvPr>
         </p:nvGraphicFramePr>
         <p:xfrm>
-          <a:off x="11673684" y="8362950"/>
+          <a:off x="11734800" y="8362950"/>
           <a:ext cx="914400" cy="771525"/>
         </p:xfrm>
         <a:graphic>
           <a:graphicData uri="http://schemas.openxmlformats.org/presentationml/2006/ole">
             <mc:AlternateContent xmlns:mc="http://schemas.openxmlformats.org/markup-compatibility/2006">
               <mc:Choice xmlns:v="urn:schemas-microsoft-com:vml" Requires="v">
-                <p:oleObj spid="_x0000_s3173" name="Acrobat Document" showAsIcon="1" r:id="rId5" imgW="914400" imgH="771480" progId="AcroExch.Document.11">
+                <p:oleObj spid="_x0000_s3191" name="Acrobat Document" showAsIcon="1" r:id="rId5" imgW="914400" imgH="771480" progId="AcroExch.Document.DC">
                   <p:embed/>
                 </p:oleObj>
               </mc:Choice>
               <mc:Fallback>
-                <p:oleObj name="Acrobat Document" showAsIcon="1" r:id="rId5" imgW="914400" imgH="771480" progId="AcroExch.Document.11">
+                <p:oleObj name="Acrobat Document" showAsIcon="1" r:id="rId5" imgW="914400" imgH="771480" progId="AcroExch.Document.DC">
                   <p:embed/>
                   <p:pic>
                     <p:nvPicPr>
@@ -14541,7 +13302,7 @@
                     </p:blipFill>
                     <p:spPr>
                       <a:xfrm>
-                        <a:off x="11673684" y="8362950"/>
+                        <a:off x="11734800" y="8362950"/>
                         <a:ext cx="914400" cy="771525"/>
                       </a:xfrm>
                       <a:prstGeom prst="rect">
